--- a/RTOS-11 Real Time communication-3.pptx
+++ b/RTOS-11 Real Time communication-3.pptx
@@ -5,10 +5,10 @@
     <p:sldMasterId id="2147483648" r:id="rId1"/>
   </p:sldMasterIdLst>
   <p:notesMasterIdLst>
-    <p:notesMasterId r:id="rId19"/>
+    <p:notesMasterId r:id="rId22"/>
   </p:notesMasterIdLst>
   <p:handoutMasterIdLst>
-    <p:handoutMasterId r:id="rId20"/>
+    <p:handoutMasterId r:id="rId23"/>
   </p:handoutMasterIdLst>
   <p:sldIdLst>
     <p:sldId id="257" r:id="rId2"/>
@@ -28,6 +28,9 @@
     <p:sldId id="272" r:id="rId16"/>
     <p:sldId id="271" r:id="rId17"/>
     <p:sldId id="273" r:id="rId18"/>
+    <p:sldId id="274" r:id="rId19"/>
+    <p:sldId id="275" r:id="rId20"/>
+    <p:sldId id="276" r:id="rId21"/>
   </p:sldIdLst>
   <p:sldSz cx="9144000" cy="6858000" type="screen4x3"/>
   <p:notesSz cx="6858000" cy="9144000"/>
@@ -5721,11 +5724,7 @@
           <a:p>
             <a:r>
               <a:rPr lang="en-US" dirty="0" smtClean="0"/>
-              <a:t> Why do you need </a:t>
-            </a:r>
-            <a:r>
-              <a:rPr lang="en-US" dirty="0" smtClean="0"/>
-              <a:t>real time communication browsers and mobile apps</a:t>
+              <a:t> Why do you need real time communication browsers and mobile apps</a:t>
             </a:r>
             <a:endParaRPr lang="en-US" dirty="0"/>
           </a:p>
@@ -5821,15 +5820,7 @@
           <a:p>
             <a:r>
               <a:rPr lang="en-US" dirty="0" smtClean="0"/>
-              <a:t>How do </a:t>
-            </a:r>
-            <a:r>
-              <a:rPr lang="en-US" dirty="0" smtClean="0"/>
-              <a:t>browsers </a:t>
-            </a:r>
-            <a:r>
-              <a:rPr lang="en-US" dirty="0" smtClean="0"/>
-              <a:t>perform real time communication</a:t>
+              <a:t>How do browsers perform real time communication</a:t>
             </a:r>
             <a:endParaRPr lang="en-US" dirty="0"/>
           </a:p>
@@ -5975,39 +5966,7 @@
             </a:r>
             <a:r>
               <a:rPr lang="en-US" sz="2400" dirty="0" smtClean="0"/>
-              <a:t> is </a:t>
-            </a:r>
-            <a:r>
-              <a:rPr lang="en-US" sz="2400" dirty="0" smtClean="0"/>
-              <a:t>an open standard for web-based real time communication using a</a:t>
-            </a:r>
-            <a:r>
-              <a:rPr lang="en-US" sz="2400" dirty="0" smtClean="0"/>
-              <a:t> </a:t>
-            </a:r>
-            <a:r>
-              <a:rPr lang="en-US" sz="2400" dirty="0" smtClean="0"/>
-              <a:t>browser. I</a:t>
-            </a:r>
-            <a:r>
-              <a:rPr lang="en-US" sz="2400" dirty="0" smtClean="0"/>
-              <a:t>t </a:t>
-            </a:r>
-            <a:r>
-              <a:rPr lang="en-US" sz="2400" dirty="0" smtClean="0"/>
-              <a:t>is a technology that enables easy transmission of media </a:t>
-            </a:r>
-            <a:r>
-              <a:rPr lang="en-US" sz="2400" dirty="0" smtClean="0"/>
-              <a:t>(voice</a:t>
-            </a:r>
-            <a:r>
-              <a:rPr lang="en-US" sz="2400" dirty="0" smtClean="0"/>
-              <a:t>, video, etc.) over the internet using a web browser</a:t>
-            </a:r>
-            <a:r>
-              <a:rPr lang="en-US" sz="2400" dirty="0" smtClean="0"/>
-              <a:t>.</a:t>
+              <a:t> is an open standard for web-based real time communication using a browser. It is a technology that enables easy transmission of media (voice, video, etc.) over the internet using a web browser.</a:t>
             </a:r>
           </a:p>
           <a:p>
@@ -6022,17 +5981,8 @@
             </a:r>
             <a:r>
               <a:rPr lang="en-US" sz="2400" dirty="0" smtClean="0"/>
-              <a:t> changes </a:t>
-            </a:r>
-            <a:r>
-              <a:rPr lang="en-US" sz="2400" dirty="0" smtClean="0"/>
-              <a:t>the present model </a:t>
-            </a:r>
-            <a:r>
-              <a:rPr lang="en-US" sz="2400" dirty="0" smtClean="0"/>
-              <a:t>model by directly embedding the ability to send media (such as audio or video) into a web browser. No phone required, no download or software install required. The browser makes use of a microphone, speakers, and/or camera attached to the computer to send audio and/or video. This means that a user can communicate with others with basically nothing but a browser and internet connection. </a:t>
-            </a:r>
-            <a:endParaRPr lang="en-US" sz="2400" dirty="0" smtClean="0"/>
+              <a:t> changes the present model model by directly embedding the ability to send media (such as audio or video) into a web browser. No phone required, no download or software install required. The browser makes use of a microphone, speakers, and/or camera attached to the computer to send audio and/or video. This means that a user can communicate with others with basically nothing but a browser and internet connection. </a:t>
+            </a:r>
           </a:p>
           <a:p>
             <a:pPr algn="ctr"/>
@@ -6081,18 +6031,19 @@
             <p:ph type="title"/>
           </p:nvPr>
         </p:nvSpPr>
-        <p:spPr/>
+        <p:spPr>
+          <a:xfrm>
+            <a:off x="457200" y="76200"/>
+            <a:ext cx="8229600" cy="914400"/>
+          </a:xfrm>
+        </p:spPr>
         <p:txBody>
           <a:bodyPr/>
           <a:lstStyle/>
           <a:p>
             <a:r>
               <a:rPr lang="en-US" dirty="0" smtClean="0"/>
-              <a:t>Use Cases </a:t>
-            </a:r>
-            <a:r>
-              <a:rPr lang="en-US" smtClean="0"/>
-              <a:t>of WEBRTC</a:t>
+              <a:t>Use Cases of WEBRTC</a:t>
             </a:r>
             <a:endParaRPr lang="en-US" dirty="0"/>
           </a:p>
@@ -6106,13 +6057,18 @@
         </p:nvSpPr>
         <p:spPr>
           <a:xfrm>
-            <a:off x="381000" y="1371600"/>
-            <a:ext cx="8458200" cy="5201424"/>
+            <a:off x="381000" y="1143000"/>
+            <a:ext cx="8458200" cy="4832092"/>
           </a:xfrm>
           <a:prstGeom prst="rect">
             <a:avLst/>
           </a:prstGeom>
           <a:noFill/>
+          <a:ln>
+            <a:solidFill>
+              <a:schemeClr val="accent1"/>
+            </a:solidFill>
+          </a:ln>
         </p:spPr>
         <p:txBody>
           <a:bodyPr wrap="square" rtlCol="0">
@@ -6146,11 +6102,7 @@
             </a:pPr>
             <a:r>
               <a:rPr lang="en-US" sz="2800" dirty="0" smtClean="0"/>
-              <a:t>Back </a:t>
-            </a:r>
-            <a:r>
-              <a:rPr lang="en-US" sz="2800" dirty="0" smtClean="0"/>
-              <a:t>office communications </a:t>
+              <a:t>Back office communications </a:t>
             </a:r>
           </a:p>
           <a:p>
@@ -6172,7 +6124,6 @@
               <a:rPr lang="en-US" sz="2800" dirty="0" smtClean="0"/>
               <a:t>Social networking</a:t>
             </a:r>
-            <a:endParaRPr lang="en-US" sz="2800" dirty="0" smtClean="0"/>
           </a:p>
           <a:p>
             <a:pPr>
@@ -6181,11 +6132,7 @@
             </a:pPr>
             <a:r>
               <a:rPr lang="en-US" sz="2800" dirty="0" smtClean="0"/>
-              <a:t>Online </a:t>
-            </a:r>
-            <a:r>
-              <a:rPr lang="en-US" sz="2800" dirty="0" smtClean="0"/>
-              <a:t>medical consultations</a:t>
+              <a:t>Online medical consultations</a:t>
             </a:r>
           </a:p>
           <a:p>
@@ -6195,11 +6142,7 @@
             </a:pPr>
             <a:r>
               <a:rPr lang="en-US" sz="2800" dirty="0" smtClean="0"/>
-              <a:t>Financial </a:t>
-            </a:r>
-            <a:r>
-              <a:rPr lang="en-US" sz="2800" dirty="0" smtClean="0"/>
-              <a:t>services</a:t>
+              <a:t>Financial services</a:t>
             </a:r>
           </a:p>
           <a:p>
@@ -6211,7 +6154,6 @@
               <a:rPr lang="en-US" sz="2800" dirty="0" smtClean="0"/>
               <a:t>Surveillance</a:t>
             </a:r>
-            <a:endParaRPr lang="en-US" sz="2800" dirty="0" smtClean="0"/>
           </a:p>
           <a:p>
             <a:pPr>
@@ -6220,11 +6162,7 @@
             </a:pPr>
             <a:r>
               <a:rPr lang="en-US" sz="2800" dirty="0" smtClean="0"/>
-              <a:t>Multiplayer </a:t>
-            </a:r>
-            <a:r>
-              <a:rPr lang="en-US" sz="2800" dirty="0" smtClean="0"/>
-              <a:t>games</a:t>
+              <a:t>Multiplayer games</a:t>
             </a:r>
           </a:p>
           <a:p>
@@ -6234,11 +6172,7 @@
             </a:pPr>
             <a:r>
               <a:rPr lang="en-US" sz="2800" dirty="0" smtClean="0"/>
-              <a:t>Live </a:t>
-            </a:r>
-            <a:r>
-              <a:rPr lang="en-US" sz="2800" dirty="0" smtClean="0"/>
-              <a:t>broadcasting</a:t>
+              <a:t>Live broadcasting</a:t>
             </a:r>
           </a:p>
           <a:p>
@@ -6252,15 +6186,178 @@
             </a:r>
             <a:endParaRPr lang="en-US" sz="2400" dirty="0" smtClean="0"/>
           </a:p>
-          <a:p>
-            <a:pPr>
-              <a:buFont typeface="Arial" pitchFamily="34" charset="0"/>
-              <a:buChar char="•"/>
-            </a:pPr>
-            <a:endParaRPr lang="en-US" sz="2400" dirty="0"/>
-          </a:p>
-        </p:txBody>
-      </p:sp>
+        </p:txBody>
+      </p:sp>
+    </p:spTree>
+  </p:cSld>
+  <p:clrMapOvr>
+    <a:masterClrMapping/>
+  </p:clrMapOvr>
+</p:sld>
+</file>
+
+<file path=ppt/slides/slide18.xml><?xml version="1.0" encoding="utf-8"?>
+<p:sld xmlns:a="http://schemas.openxmlformats.org/drawingml/2006/main" xmlns:r="http://schemas.openxmlformats.org/officeDocument/2006/relationships" xmlns:p="http://schemas.openxmlformats.org/presentationml/2006/main">
+  <p:cSld>
+    <p:spTree>
+      <p:nvGrpSpPr>
+        <p:cNvPr id="1" name=""/>
+        <p:cNvGrpSpPr/>
+        <p:nvPr/>
+      </p:nvGrpSpPr>
+      <p:grpSpPr>
+        <a:xfrm>
+          <a:off x="0" y="0"/>
+          <a:ext cx="0" cy="0"/>
+          <a:chOff x="0" y="0"/>
+          <a:chExt cx="0" cy="0"/>
+        </a:xfrm>
+      </p:grpSpPr>
+      <p:sp>
+        <p:nvSpPr>
+          <p:cNvPr id="2" name="Title 1"/>
+          <p:cNvSpPr>
+            <a:spLocks noGrp="1"/>
+          </p:cNvSpPr>
+          <p:nvPr>
+            <p:ph type="title"/>
+          </p:nvPr>
+        </p:nvSpPr>
+        <p:spPr>
+          <a:xfrm>
+            <a:off x="457200" y="274638"/>
+            <a:ext cx="8229600" cy="868362"/>
+          </a:xfrm>
+        </p:spPr>
+        <p:txBody>
+          <a:bodyPr/>
+          <a:lstStyle/>
+          <a:p>
+            <a:r>
+              <a:rPr lang="en-US" dirty="0" smtClean="0"/>
+              <a:t>How does it works</a:t>
+            </a:r>
+            <a:endParaRPr lang="en-US" dirty="0"/>
+          </a:p>
+        </p:txBody>
+      </p:sp>
+      <p:sp>
+        <p:nvSpPr>
+          <p:cNvPr id="3" name="TextBox 2"/>
+          <p:cNvSpPr txBox="1"/>
+          <p:nvPr/>
+        </p:nvSpPr>
+        <p:spPr>
+          <a:xfrm>
+            <a:off x="457200" y="1676400"/>
+            <a:ext cx="8458200" cy="4401205"/>
+          </a:xfrm>
+          <a:prstGeom prst="rect">
+            <a:avLst/>
+          </a:prstGeom>
+          <a:noFill/>
+        </p:spPr>
+        <p:txBody>
+          <a:bodyPr wrap="square" rtlCol="0">
+            <a:spAutoFit/>
+          </a:bodyPr>
+          <a:lstStyle/>
+          <a:p>
+            <a:pPr algn="just"/>
+            <a:r>
+              <a:rPr lang="en-US" sz="2800" dirty="0" err="1" smtClean="0"/>
+              <a:t>WebRTC</a:t>
+            </a:r>
+            <a:r>
+              <a:rPr lang="en-US" sz="2800" dirty="0" smtClean="0"/>
+              <a:t> allows you to set up peer-to-peer connections to other web browsers quickly and easily. To build such an application from scratch, you would need a wealth of frameworks and libraries dealing with typical issues like data loss, connection dropping, and NAT traversal. With </a:t>
+            </a:r>
+            <a:r>
+              <a:rPr lang="en-US" sz="2800" dirty="0" err="1" smtClean="0"/>
+              <a:t>WebRTC</a:t>
+            </a:r>
+            <a:r>
+              <a:rPr lang="en-US" sz="2800" dirty="0" smtClean="0"/>
+              <a:t>, all of this comes built-in into the browser out-of-the-box. This technology doesn't need any </a:t>
+            </a:r>
+            <a:r>
+              <a:rPr lang="en-US" sz="2800" dirty="0" err="1" smtClean="0"/>
+              <a:t>plugins</a:t>
+            </a:r>
+            <a:r>
+              <a:rPr lang="en-US" sz="2800" dirty="0" smtClean="0"/>
+              <a:t> or third-party software. It is open-sourced and its source code is </a:t>
+            </a:r>
+            <a:r>
+              <a:rPr lang="en-US" sz="2800" dirty="0" smtClean="0"/>
+              <a:t>freely</a:t>
+            </a:r>
+          </a:p>
+          <a:p>
+            <a:pPr algn="just"/>
+            <a:r>
+              <a:rPr lang="en-US" sz="2800" dirty="0" smtClean="0"/>
+              <a:t>It make use a concept called </a:t>
+            </a:r>
+            <a:r>
+              <a:rPr lang="en-US" sz="2800" dirty="0" err="1" smtClean="0"/>
+              <a:t>WebSockets</a:t>
+            </a:r>
+            <a:endParaRPr lang="en-US" sz="2800" dirty="0"/>
+          </a:p>
+        </p:txBody>
+      </p:sp>
+    </p:spTree>
+  </p:cSld>
+  <p:clrMapOvr>
+    <a:masterClrMapping/>
+  </p:clrMapOvr>
+</p:sld>
+</file>
+
+<file path=ppt/slides/slide19.xml><?xml version="1.0" encoding="utf-8"?>
+<p:sld xmlns:a="http://schemas.openxmlformats.org/drawingml/2006/main" xmlns:r="http://schemas.openxmlformats.org/officeDocument/2006/relationships" xmlns:p="http://schemas.openxmlformats.org/presentationml/2006/main">
+  <p:cSld>
+    <p:spTree>
+      <p:nvGrpSpPr>
+        <p:cNvPr id="1" name=""/>
+        <p:cNvGrpSpPr/>
+        <p:nvPr/>
+      </p:nvGrpSpPr>
+      <p:grpSpPr>
+        <a:xfrm>
+          <a:off x="0" y="0"/>
+          <a:ext cx="0" cy="0"/>
+          <a:chOff x="0" y="0"/>
+          <a:chExt cx="0" cy="0"/>
+        </a:xfrm>
+      </p:grpSpPr>
+      <p:pic>
+        <p:nvPicPr>
+          <p:cNvPr id="1026" name="Picture 2" descr="WebRTC Architecture"/>
+          <p:cNvPicPr>
+            <a:picLocks noChangeAspect="1" noChangeArrowheads="1"/>
+          </p:cNvPicPr>
+          <p:nvPr/>
+        </p:nvPicPr>
+        <p:blipFill>
+          <a:blip r:embed="rId2" cstate="print"/>
+          <a:srcRect/>
+          <a:stretch>
+            <a:fillRect/>
+          </a:stretch>
+        </p:blipFill>
+        <p:spPr bwMode="auto">
+          <a:xfrm>
+            <a:off x="1" y="0"/>
+            <a:ext cx="9144000" cy="6858000"/>
+          </a:xfrm>
+          <a:prstGeom prst="rect">
+            <a:avLst/>
+          </a:prstGeom>
+          <a:noFill/>
+        </p:spPr>
+      </p:pic>
     </p:spTree>
   </p:cSld>
   <p:clrMapOvr>
@@ -6558,6 +6655,180 @@
               <a:rPr lang="en-US" dirty="0" smtClean="0"/>
               <a:t>Local disk space and copyright issues.</a:t>
             </a:r>
+          </a:p>
+        </p:txBody>
+      </p:sp>
+    </p:spTree>
+  </p:cSld>
+  <p:clrMapOvr>
+    <a:masterClrMapping/>
+  </p:clrMapOvr>
+</p:sld>
+</file>
+
+<file path=ppt/slides/slide20.xml><?xml version="1.0" encoding="utf-8"?>
+<p:sld xmlns:a="http://schemas.openxmlformats.org/drawingml/2006/main" xmlns:r="http://schemas.openxmlformats.org/officeDocument/2006/relationships" xmlns:p="http://schemas.openxmlformats.org/presentationml/2006/main">
+  <p:cSld>
+    <p:spTree>
+      <p:nvGrpSpPr>
+        <p:cNvPr id="1" name=""/>
+        <p:cNvGrpSpPr/>
+        <p:nvPr/>
+      </p:nvGrpSpPr>
+      <p:grpSpPr>
+        <a:xfrm>
+          <a:off x="0" y="0"/>
+          <a:ext cx="0" cy="0"/>
+          <a:chOff x="0" y="0"/>
+          <a:chExt cx="0" cy="0"/>
+        </a:xfrm>
+      </p:grpSpPr>
+      <p:sp>
+        <p:nvSpPr>
+          <p:cNvPr id="2" name="Title 1"/>
+          <p:cNvSpPr>
+            <a:spLocks noGrp="1"/>
+          </p:cNvSpPr>
+          <p:nvPr>
+            <p:ph type="title"/>
+          </p:nvPr>
+        </p:nvSpPr>
+        <p:spPr>
+          <a:xfrm>
+            <a:off x="457200" y="274638"/>
+            <a:ext cx="8229600" cy="715962"/>
+          </a:xfrm>
+        </p:spPr>
+        <p:txBody>
+          <a:bodyPr>
+            <a:normAutofit fontScale="90000"/>
+          </a:bodyPr>
+          <a:lstStyle/>
+          <a:p>
+            <a:r>
+              <a:rPr lang="en-US" dirty="0" smtClean="0"/>
+              <a:t>VOIP and Cloud</a:t>
+            </a:r>
+            <a:endParaRPr lang="en-US" dirty="0"/>
+          </a:p>
+        </p:txBody>
+      </p:sp>
+      <p:sp>
+        <p:nvSpPr>
+          <p:cNvPr id="3" name="TextBox 2"/>
+          <p:cNvSpPr txBox="1"/>
+          <p:nvPr/>
+        </p:nvSpPr>
+        <p:spPr>
+          <a:xfrm>
+            <a:off x="381000" y="1600200"/>
+            <a:ext cx="8229600" cy="4154984"/>
+          </a:xfrm>
+          <a:prstGeom prst="rect">
+            <a:avLst/>
+          </a:prstGeom>
+          <a:noFill/>
+          <a:ln>
+            <a:solidFill>
+              <a:schemeClr val="accent1"/>
+            </a:solidFill>
+          </a:ln>
+        </p:spPr>
+        <p:txBody>
+          <a:bodyPr wrap="square" rtlCol="0">
+            <a:spAutoFit/>
+          </a:bodyPr>
+          <a:lstStyle/>
+          <a:p>
+            <a:r>
+              <a:rPr lang="en-US" sz="2400" dirty="0" smtClean="0"/>
+              <a:t>VOIP is made to available over cloud WEBRTC is the main enabler for it</a:t>
+            </a:r>
+          </a:p>
+          <a:p>
+            <a:endParaRPr lang="en-US" sz="2400" dirty="0" smtClean="0"/>
+          </a:p>
+          <a:p>
+            <a:r>
+              <a:rPr lang="en-US" sz="2400" dirty="0" smtClean="0"/>
+              <a:t>Another Version of RTP called SRTP – Secured RTP is made used for it</a:t>
+            </a:r>
+          </a:p>
+          <a:p>
+            <a:endParaRPr lang="en-US" sz="2400" dirty="0" smtClean="0"/>
+          </a:p>
+          <a:p>
+            <a:r>
+              <a:rPr lang="en-US" sz="2400" dirty="0" smtClean="0"/>
+              <a:t>The </a:t>
+            </a:r>
+            <a:r>
+              <a:rPr lang="en-US" sz="2400" b="1" dirty="0" smtClean="0"/>
+              <a:t>Secure Real-time Transport Protocol</a:t>
+            </a:r>
+            <a:r>
+              <a:rPr lang="en-US" sz="2400" dirty="0" smtClean="0"/>
+              <a:t> (or </a:t>
+            </a:r>
+            <a:r>
+              <a:rPr lang="en-US" sz="2400" b="1" dirty="0" smtClean="0"/>
+              <a:t>SRTP</a:t>
+            </a:r>
+            <a:r>
+              <a:rPr lang="en-US" sz="2400" dirty="0" smtClean="0"/>
+              <a:t>) defines a profile of </a:t>
+            </a:r>
+            <a:r>
+              <a:rPr lang="en-US" sz="2400" dirty="0" smtClean="0">
+                <a:hlinkClick r:id="rId2" tooltip="Real-time Transport Protocol"/>
+              </a:rPr>
+              <a:t>RTP</a:t>
+            </a:r>
+            <a:r>
+              <a:rPr lang="en-US" sz="2400" dirty="0" smtClean="0"/>
+              <a:t> (Real-time Transport Protocol), intended to provide encryption, message </a:t>
+            </a:r>
+            <a:r>
+              <a:rPr lang="en-US" sz="2400" dirty="0" smtClean="0">
+                <a:hlinkClick r:id="rId3" tooltip="Authentication"/>
+              </a:rPr>
+              <a:t>authentication</a:t>
+            </a:r>
+            <a:r>
+              <a:rPr lang="en-US" sz="2400" dirty="0" smtClean="0"/>
+              <a:t> and </a:t>
+            </a:r>
+            <a:r>
+              <a:rPr lang="en-US" sz="2400" dirty="0" smtClean="0">
+                <a:hlinkClick r:id="rId4" tooltip="Data integrity"/>
+              </a:rPr>
+              <a:t>integrity</a:t>
+            </a:r>
+            <a:r>
+              <a:rPr lang="en-US" sz="2400" dirty="0" smtClean="0"/>
+              <a:t>, and replay protection to the RTP data in both </a:t>
+            </a:r>
+            <a:r>
+              <a:rPr lang="en-US" sz="2400" dirty="0" err="1" smtClean="0">
+                <a:hlinkClick r:id="rId5" tooltip="Unicast"/>
+              </a:rPr>
+              <a:t>unicast</a:t>
+            </a:r>
+            <a:r>
+              <a:rPr lang="en-US" sz="2400" dirty="0" smtClean="0"/>
+              <a:t> and </a:t>
+            </a:r>
+            <a:r>
+              <a:rPr lang="en-US" sz="2400" dirty="0" smtClean="0">
+                <a:hlinkClick r:id="rId6" tooltip="Multicast"/>
+              </a:rPr>
+              <a:t>multicast</a:t>
+            </a:r>
+            <a:r>
+              <a:rPr lang="en-US" sz="2400" dirty="0" smtClean="0"/>
+              <a:t> applications</a:t>
+            </a:r>
+            <a:endParaRPr lang="en-US" sz="2400" dirty="0"/>
           </a:p>
         </p:txBody>
       </p:sp>

--- a/RTOS-11 Real Time communication-3.pptx
+++ b/RTOS-11 Real Time communication-3.pptx
@@ -4598,6 +4598,13 @@
   <p:clrMapOvr>
     <a:masterClrMapping/>
   </p:clrMapOvr>
+  <p:timing>
+    <p:tnLst>
+      <p:par>
+        <p:cTn id="1" dur="indefinite" restart="never" nodeType="tmRoot"/>
+      </p:par>
+    </p:tnLst>
+  </p:timing>
 </p:sld>
 </file>
 
@@ -5106,6 +5113,13 @@
   <p:clrMapOvr>
     <a:masterClrMapping/>
   </p:clrMapOvr>
+  <p:timing>
+    <p:tnLst>
+      <p:par>
+        <p:cTn id="1" dur="indefinite" restart="never" nodeType="tmRoot"/>
+      </p:par>
+    </p:tnLst>
+  </p:timing>
 </p:sld>
 </file>
 
@@ -5781,6 +5795,13 @@
   <p:clrMapOvr>
     <a:masterClrMapping/>
   </p:clrMapOvr>
+  <p:timing>
+    <p:tnLst>
+      <p:par>
+        <p:cTn id="1" dur="indefinite" restart="never" nodeType="tmRoot"/>
+      </p:par>
+    </p:tnLst>
+  </p:timing>
 </p:sld>
 </file>
 
@@ -5885,6 +5906,13 @@
   <p:clrMapOvr>
     <a:masterClrMapping/>
   </p:clrMapOvr>
+  <p:timing>
+    <p:tnLst>
+      <p:par>
+        <p:cTn id="1" dur="indefinite" restart="never" nodeType="tmRoot"/>
+      </p:par>
+    </p:tnLst>
+  </p:timing>
 </p:sld>
 </file>
 
@@ -5945,7 +5973,7 @@
         </p:nvSpPr>
         <p:spPr>
           <a:xfrm>
-            <a:off x="457200" y="990600"/>
+            <a:off x="457200" y="914400"/>
             <a:ext cx="7924800" cy="5262979"/>
           </a:xfrm>
           <a:prstGeom prst="rect">
@@ -6001,6 +6029,13 @@
   <p:clrMapOvr>
     <a:masterClrMapping/>
   </p:clrMapOvr>
+  <p:timing>
+    <p:tnLst>
+      <p:par>
+        <p:cTn id="1" dur="indefinite" restart="never" nodeType="tmRoot"/>
+      </p:par>
+    </p:tnLst>
+  </p:timing>
 </p:sld>
 </file>
 
@@ -6193,6 +6228,13 @@
   <p:clrMapOvr>
     <a:masterClrMapping/>
   </p:clrMapOvr>
+  <p:timing>
+    <p:tnLst>
+      <p:par>
+        <p:cTn id="1" dur="indefinite" restart="never" nodeType="tmRoot"/>
+      </p:par>
+    </p:tnLst>
+  </p:timing>
 </p:sld>
 </file>
 
@@ -6286,11 +6328,7 @@
             </a:r>
             <a:r>
               <a:rPr lang="en-US" sz="2800" dirty="0" smtClean="0"/>
-              <a:t> or third-party software. It is open-sourced and its source code is </a:t>
-            </a:r>
-            <a:r>
-              <a:rPr lang="en-US" sz="2800" dirty="0" smtClean="0"/>
-              <a:t>freely</a:t>
+              <a:t> or third-party software. It is open-sourced and its source code is freely</a:t>
             </a:r>
           </a:p>
           <a:p>
@@ -6363,6 +6401,13 @@
   <p:clrMapOvr>
     <a:masterClrMapping/>
   </p:clrMapOvr>
+  <p:timing>
+    <p:tnLst>
+      <p:par>
+        <p:cTn id="1" dur="indefinite" restart="never" nodeType="tmRoot"/>
+      </p:par>
+    </p:tnLst>
+  </p:timing>
 </p:sld>
 </file>
 
@@ -6663,6 +6708,13 @@
   <p:clrMapOvr>
     <a:masterClrMapping/>
   </p:clrMapOvr>
+  <p:timing>
+    <p:tnLst>
+      <p:par>
+        <p:cTn id="1" dur="indefinite" restart="never" nodeType="tmRoot"/>
+      </p:par>
+    </p:tnLst>
+  </p:timing>
 </p:sld>
 </file>
 
@@ -6837,6 +6889,13 @@
   <p:clrMapOvr>
     <a:masterClrMapping/>
   </p:clrMapOvr>
+  <p:timing>
+    <p:tnLst>
+      <p:par>
+        <p:cTn id="1" dur="indefinite" restart="never" nodeType="tmRoot"/>
+      </p:par>
+    </p:tnLst>
+  </p:timing>
 </p:sld>
 </file>
 
@@ -7297,6 +7356,13 @@
   <p:clrMapOvr>
     <a:masterClrMapping/>
   </p:clrMapOvr>
+  <p:timing>
+    <p:tnLst>
+      <p:par>
+        <p:cTn id="1" dur="indefinite" restart="never" nodeType="tmRoot"/>
+      </p:par>
+    </p:tnLst>
+  </p:timing>
 </p:sld>
 </file>
 
@@ -7399,6 +7465,13 @@
   <p:clrMapOvr>
     <a:masterClrMapping/>
   </p:clrMapOvr>
+  <p:timing>
+    <p:tnLst>
+      <p:par>
+        <p:cTn id="1" dur="indefinite" restart="never" nodeType="tmRoot"/>
+      </p:par>
+    </p:tnLst>
+  </p:timing>
 </p:sld>
 </file>
 
@@ -7560,6 +7633,13 @@
   <p:clrMapOvr>
     <a:masterClrMapping/>
   </p:clrMapOvr>
+  <p:timing>
+    <p:tnLst>
+      <p:par>
+        <p:cTn id="1" dur="indefinite" restart="never" nodeType="tmRoot"/>
+      </p:par>
+    </p:tnLst>
+  </p:timing>
 </p:sld>
 </file>
 
@@ -7677,6 +7757,13 @@
   <p:clrMapOvr>
     <a:masterClrMapping/>
   </p:clrMapOvr>
+  <p:timing>
+    <p:tnLst>
+      <p:par>
+        <p:cTn id="1" dur="indefinite" restart="never" nodeType="tmRoot"/>
+      </p:par>
+    </p:tnLst>
+  </p:timing>
 </p:sld>
 </file>
 
@@ -7797,6 +7884,13 @@
   <p:clrMapOvr>
     <a:masterClrMapping/>
   </p:clrMapOvr>
+  <p:timing>
+    <p:tnLst>
+      <p:par>
+        <p:cTn id="1" dur="indefinite" restart="never" nodeType="tmRoot"/>
+      </p:par>
+    </p:tnLst>
+  </p:timing>
 </p:sld>
 </file>
 
@@ -7943,6 +8037,13 @@
   <p:clrMapOvr>
     <a:masterClrMapping/>
   </p:clrMapOvr>
+  <p:timing>
+    <p:tnLst>
+      <p:par>
+        <p:cTn id="1" dur="indefinite" restart="never" nodeType="tmRoot"/>
+      </p:par>
+    </p:tnLst>
+  </p:timing>
 </p:sld>
 </file>
 
@@ -8312,6 +8413,13 @@
   <p:clrMapOvr>
     <a:masterClrMapping/>
   </p:clrMapOvr>
+  <p:timing>
+    <p:tnLst>
+      <p:par>
+        <p:cTn id="1" dur="indefinite" restart="never" nodeType="tmRoot"/>
+      </p:par>
+    </p:tnLst>
+  </p:timing>
 </p:sld>
 </file>
 
